--- a/ppt 16-9/0734.主看顾.pptx
+++ b/ppt 16-9/0734.主看顾.pptx
@@ -5,7 +5,7 @@
     <p:sldMasterId id="2147483648" r:id="rId1"/>
   </p:sldMasterIdLst>
   <p:sldIdLst>
-    <p:sldId id="1977" r:id="rId2"/>
+    <p:sldId id="1978" r:id="rId2"/>
   </p:sldIdLst>
   <p:sldSz cx="12192000" cy="6858000"/>
   <p:notesSz cx="6858000" cy="9144000"/>
@@ -129,7 +129,7 @@
           <p:cNvPr id="2" name="标题 1">
             <a:extLst>
               <a:ext uri="{FF2B5EF4-FFF2-40B4-BE49-F238E27FC236}">
-                <a16:creationId xmlns:a16="http://schemas.microsoft.com/office/drawing/2014/main" id="{9A7A005A-DFC0-FE0A-2598-740891C6A760}"/>
+                <a16:creationId xmlns:a16="http://schemas.microsoft.com/office/drawing/2014/main" id="{65DADE4B-F5B4-D21C-D607-EAA710074CBF}"/>
               </a:ext>
             </a:extLst>
           </p:cNvPr>
@@ -166,7 +166,7 @@
           <p:cNvPr id="3" name="副标题 2">
             <a:extLst>
               <a:ext uri="{FF2B5EF4-FFF2-40B4-BE49-F238E27FC236}">
-                <a16:creationId xmlns:a16="http://schemas.microsoft.com/office/drawing/2014/main" id="{362886B0-D55F-655B-C5C7-DDA67158EF72}"/>
+                <a16:creationId xmlns:a16="http://schemas.microsoft.com/office/drawing/2014/main" id="{7D5AE2E8-A183-E40E-1970-5613B978A73A}"/>
               </a:ext>
             </a:extLst>
           </p:cNvPr>
@@ -236,7 +236,7 @@
           <p:cNvPr id="4" name="日期占位符 3">
             <a:extLst>
               <a:ext uri="{FF2B5EF4-FFF2-40B4-BE49-F238E27FC236}">
-                <a16:creationId xmlns:a16="http://schemas.microsoft.com/office/drawing/2014/main" id="{4505669A-6620-578D-8AAE-7C246E63613C}"/>
+                <a16:creationId xmlns:a16="http://schemas.microsoft.com/office/drawing/2014/main" id="{D0BCB1EC-798F-253D-140C-F5D4339454C7}"/>
               </a:ext>
             </a:extLst>
           </p:cNvPr>
@@ -252,7 +252,7 @@
           <a:bodyPr/>
           <a:lstStyle/>
           <a:p>
-            <a:fld id="{49DA896C-40AA-45B6-BFEA-023EF828AC23}" type="datetimeFigureOut">
+            <a:fld id="{7B01B4F0-3EE9-48B4-9AC7-1D3A1A62C570}" type="datetimeFigureOut">
               <a:rPr lang="zh-CN" altLang="en-US" smtClean="0"/>
               <a:t>2024/3/10</a:t>
             </a:fld>
@@ -265,7 +265,7 @@
           <p:cNvPr id="5" name="页脚占位符 4">
             <a:extLst>
               <a:ext uri="{FF2B5EF4-FFF2-40B4-BE49-F238E27FC236}">
-                <a16:creationId xmlns:a16="http://schemas.microsoft.com/office/drawing/2014/main" id="{C5E39F2B-4A3C-254E-A976-AD24A1F1F8A6}"/>
+                <a16:creationId xmlns:a16="http://schemas.microsoft.com/office/drawing/2014/main" id="{231D2910-B5AD-0C87-F865-1E3A961AE869}"/>
               </a:ext>
             </a:extLst>
           </p:cNvPr>
@@ -290,7 +290,7 @@
           <p:cNvPr id="6" name="灯片编号占位符 5">
             <a:extLst>
               <a:ext uri="{FF2B5EF4-FFF2-40B4-BE49-F238E27FC236}">
-                <a16:creationId xmlns:a16="http://schemas.microsoft.com/office/drawing/2014/main" id="{9719B502-6FE0-E4A1-B905-B6E240B7623A}"/>
+                <a16:creationId xmlns:a16="http://schemas.microsoft.com/office/drawing/2014/main" id="{D92D6552-363E-14F5-A630-49F274B839AF}"/>
               </a:ext>
             </a:extLst>
           </p:cNvPr>
@@ -306,7 +306,7 @@
           <a:bodyPr/>
           <a:lstStyle/>
           <a:p>
-            <a:fld id="{20CB4329-EE6A-41CF-B447-68EE5A478A2E}" type="slidenum">
+            <a:fld id="{5F21C52A-FBC4-4D7E-9EA6-D8FDA4D555B5}" type="slidenum">
               <a:rPr lang="zh-CN" altLang="en-US" smtClean="0"/>
               <a:t>‹#›</a:t>
             </a:fld>
@@ -317,7 +317,7 @@
     </p:spTree>
     <p:extLst>
       <p:ext uri="{BB962C8B-B14F-4D97-AF65-F5344CB8AC3E}">
-        <p14:creationId xmlns:p14="http://schemas.microsoft.com/office/powerpoint/2010/main" val="3345531813"/>
+        <p14:creationId xmlns:p14="http://schemas.microsoft.com/office/powerpoint/2010/main" val="1274012013"/>
       </p:ext>
     </p:extLst>
   </p:cSld>
@@ -349,7 +349,7 @@
           <p:cNvPr id="2" name="标题 1">
             <a:extLst>
               <a:ext uri="{FF2B5EF4-FFF2-40B4-BE49-F238E27FC236}">
-                <a16:creationId xmlns:a16="http://schemas.microsoft.com/office/drawing/2014/main" id="{F19B0348-086E-24F3-BA76-1DA6C5803A4E}"/>
+                <a16:creationId xmlns:a16="http://schemas.microsoft.com/office/drawing/2014/main" id="{6F5D622D-5B69-EB13-BDD2-60C943562DF0}"/>
               </a:ext>
             </a:extLst>
           </p:cNvPr>
@@ -377,7 +377,7 @@
           <p:cNvPr id="3" name="竖排文字占位符 2">
             <a:extLst>
               <a:ext uri="{FF2B5EF4-FFF2-40B4-BE49-F238E27FC236}">
-                <a16:creationId xmlns:a16="http://schemas.microsoft.com/office/drawing/2014/main" id="{F8E45A95-726C-A872-D907-99DBFEECCEBB}"/>
+                <a16:creationId xmlns:a16="http://schemas.microsoft.com/office/drawing/2014/main" id="{1ECD8367-9E9F-F1AD-3359-EE7F3A4DA148}"/>
               </a:ext>
             </a:extLst>
           </p:cNvPr>
@@ -434,7 +434,7 @@
           <p:cNvPr id="4" name="日期占位符 3">
             <a:extLst>
               <a:ext uri="{FF2B5EF4-FFF2-40B4-BE49-F238E27FC236}">
-                <a16:creationId xmlns:a16="http://schemas.microsoft.com/office/drawing/2014/main" id="{622C35CE-EEA4-C8BE-17A0-CA930712FB75}"/>
+                <a16:creationId xmlns:a16="http://schemas.microsoft.com/office/drawing/2014/main" id="{E876BDFD-F1D9-45B2-F28E-22AD28A22DA3}"/>
               </a:ext>
             </a:extLst>
           </p:cNvPr>
@@ -450,7 +450,7 @@
           <a:bodyPr/>
           <a:lstStyle/>
           <a:p>
-            <a:fld id="{49DA896C-40AA-45B6-BFEA-023EF828AC23}" type="datetimeFigureOut">
+            <a:fld id="{7B01B4F0-3EE9-48B4-9AC7-1D3A1A62C570}" type="datetimeFigureOut">
               <a:rPr lang="zh-CN" altLang="en-US" smtClean="0"/>
               <a:t>2024/3/10</a:t>
             </a:fld>
@@ -463,7 +463,7 @@
           <p:cNvPr id="5" name="页脚占位符 4">
             <a:extLst>
               <a:ext uri="{FF2B5EF4-FFF2-40B4-BE49-F238E27FC236}">
-                <a16:creationId xmlns:a16="http://schemas.microsoft.com/office/drawing/2014/main" id="{2CD7A1CD-8B81-AF06-12FF-585D42B2BABD}"/>
+                <a16:creationId xmlns:a16="http://schemas.microsoft.com/office/drawing/2014/main" id="{3F66D8CB-0773-33EB-61A7-1D662D9F535D}"/>
               </a:ext>
             </a:extLst>
           </p:cNvPr>
@@ -488,7 +488,7 @@
           <p:cNvPr id="6" name="灯片编号占位符 5">
             <a:extLst>
               <a:ext uri="{FF2B5EF4-FFF2-40B4-BE49-F238E27FC236}">
-                <a16:creationId xmlns:a16="http://schemas.microsoft.com/office/drawing/2014/main" id="{38029FA9-D0DA-B4BA-4641-891715696967}"/>
+                <a16:creationId xmlns:a16="http://schemas.microsoft.com/office/drawing/2014/main" id="{16AD1EC4-9F01-C68F-F8EB-5BE1C7FCA6BD}"/>
               </a:ext>
             </a:extLst>
           </p:cNvPr>
@@ -504,7 +504,7 @@
           <a:bodyPr/>
           <a:lstStyle/>
           <a:p>
-            <a:fld id="{20CB4329-EE6A-41CF-B447-68EE5A478A2E}" type="slidenum">
+            <a:fld id="{5F21C52A-FBC4-4D7E-9EA6-D8FDA4D555B5}" type="slidenum">
               <a:rPr lang="zh-CN" altLang="en-US" smtClean="0"/>
               <a:t>‹#›</a:t>
             </a:fld>
@@ -515,7 +515,7 @@
     </p:spTree>
     <p:extLst>
       <p:ext uri="{BB962C8B-B14F-4D97-AF65-F5344CB8AC3E}">
-        <p14:creationId xmlns:p14="http://schemas.microsoft.com/office/powerpoint/2010/main" val="3578512301"/>
+        <p14:creationId xmlns:p14="http://schemas.microsoft.com/office/powerpoint/2010/main" val="3460390757"/>
       </p:ext>
     </p:extLst>
   </p:cSld>
@@ -547,7 +547,7 @@
           <p:cNvPr id="2" name="竖排标题 1">
             <a:extLst>
               <a:ext uri="{FF2B5EF4-FFF2-40B4-BE49-F238E27FC236}">
-                <a16:creationId xmlns:a16="http://schemas.microsoft.com/office/drawing/2014/main" id="{6D18A5E8-FC85-0FA1-1717-AACE9017C125}"/>
+                <a16:creationId xmlns:a16="http://schemas.microsoft.com/office/drawing/2014/main" id="{D1706AB7-31D6-909C-0888-E9F46C83C566}"/>
               </a:ext>
             </a:extLst>
           </p:cNvPr>
@@ -580,7 +580,7 @@
           <p:cNvPr id="3" name="竖排文字占位符 2">
             <a:extLst>
               <a:ext uri="{FF2B5EF4-FFF2-40B4-BE49-F238E27FC236}">
-                <a16:creationId xmlns:a16="http://schemas.microsoft.com/office/drawing/2014/main" id="{286C3230-FD8B-14A2-DDD6-DE4AD7DEB46A}"/>
+                <a16:creationId xmlns:a16="http://schemas.microsoft.com/office/drawing/2014/main" id="{0D999A4A-958C-91B4-8A92-DA8DA03A1F92}"/>
               </a:ext>
             </a:extLst>
           </p:cNvPr>
@@ -642,7 +642,7 @@
           <p:cNvPr id="4" name="日期占位符 3">
             <a:extLst>
               <a:ext uri="{FF2B5EF4-FFF2-40B4-BE49-F238E27FC236}">
-                <a16:creationId xmlns:a16="http://schemas.microsoft.com/office/drawing/2014/main" id="{BB6CCF1E-085F-2844-B61E-518F6101571E}"/>
+                <a16:creationId xmlns:a16="http://schemas.microsoft.com/office/drawing/2014/main" id="{6CAB2763-9616-68E3-8AD3-048DF8061107}"/>
               </a:ext>
             </a:extLst>
           </p:cNvPr>
@@ -658,7 +658,7 @@
           <a:bodyPr/>
           <a:lstStyle/>
           <a:p>
-            <a:fld id="{49DA896C-40AA-45B6-BFEA-023EF828AC23}" type="datetimeFigureOut">
+            <a:fld id="{7B01B4F0-3EE9-48B4-9AC7-1D3A1A62C570}" type="datetimeFigureOut">
               <a:rPr lang="zh-CN" altLang="en-US" smtClean="0"/>
               <a:t>2024/3/10</a:t>
             </a:fld>
@@ -671,7 +671,7 @@
           <p:cNvPr id="5" name="页脚占位符 4">
             <a:extLst>
               <a:ext uri="{FF2B5EF4-FFF2-40B4-BE49-F238E27FC236}">
-                <a16:creationId xmlns:a16="http://schemas.microsoft.com/office/drawing/2014/main" id="{AF0C896E-1416-ABDC-D9DF-7CD272CB1F5F}"/>
+                <a16:creationId xmlns:a16="http://schemas.microsoft.com/office/drawing/2014/main" id="{C9E342CA-1555-4605-680E-96DD3C55476C}"/>
               </a:ext>
             </a:extLst>
           </p:cNvPr>
@@ -696,7 +696,7 @@
           <p:cNvPr id="6" name="灯片编号占位符 5">
             <a:extLst>
               <a:ext uri="{FF2B5EF4-FFF2-40B4-BE49-F238E27FC236}">
-                <a16:creationId xmlns:a16="http://schemas.microsoft.com/office/drawing/2014/main" id="{CB7C5A57-D373-7C04-0505-E88518AB9A17}"/>
+                <a16:creationId xmlns:a16="http://schemas.microsoft.com/office/drawing/2014/main" id="{3B0D3FA5-25EB-9977-5BA4-BA9B8F740035}"/>
               </a:ext>
             </a:extLst>
           </p:cNvPr>
@@ -712,7 +712,7 @@
           <a:bodyPr/>
           <a:lstStyle/>
           <a:p>
-            <a:fld id="{20CB4329-EE6A-41CF-B447-68EE5A478A2E}" type="slidenum">
+            <a:fld id="{5F21C52A-FBC4-4D7E-9EA6-D8FDA4D555B5}" type="slidenum">
               <a:rPr lang="zh-CN" altLang="en-US" smtClean="0"/>
               <a:t>‹#›</a:t>
             </a:fld>
@@ -723,7 +723,7 @@
     </p:spTree>
     <p:extLst>
       <p:ext uri="{BB962C8B-B14F-4D97-AF65-F5344CB8AC3E}">
-        <p14:creationId xmlns:p14="http://schemas.microsoft.com/office/powerpoint/2010/main" val="3741079199"/>
+        <p14:creationId xmlns:p14="http://schemas.microsoft.com/office/powerpoint/2010/main" val="612845675"/>
       </p:ext>
     </p:extLst>
   </p:cSld>
@@ -755,7 +755,7 @@
           <p:cNvPr id="2" name="标题 1">
             <a:extLst>
               <a:ext uri="{FF2B5EF4-FFF2-40B4-BE49-F238E27FC236}">
-                <a16:creationId xmlns:a16="http://schemas.microsoft.com/office/drawing/2014/main" id="{125B8DC5-DC9E-4B40-D2C5-9D26C356B5DE}"/>
+                <a16:creationId xmlns:a16="http://schemas.microsoft.com/office/drawing/2014/main" id="{7517FDB7-DBB3-1935-FE45-07D17F0D942D}"/>
               </a:ext>
             </a:extLst>
           </p:cNvPr>
@@ -783,7 +783,7 @@
           <p:cNvPr id="3" name="内容占位符 2">
             <a:extLst>
               <a:ext uri="{FF2B5EF4-FFF2-40B4-BE49-F238E27FC236}">
-                <a16:creationId xmlns:a16="http://schemas.microsoft.com/office/drawing/2014/main" id="{55F305A1-A4CC-B733-B5AB-3EEBBBFED6F2}"/>
+                <a16:creationId xmlns:a16="http://schemas.microsoft.com/office/drawing/2014/main" id="{00459133-B9F1-C929-2AC1-677DCE9D1CE9}"/>
               </a:ext>
             </a:extLst>
           </p:cNvPr>
@@ -840,7 +840,7 @@
           <p:cNvPr id="4" name="日期占位符 3">
             <a:extLst>
               <a:ext uri="{FF2B5EF4-FFF2-40B4-BE49-F238E27FC236}">
-                <a16:creationId xmlns:a16="http://schemas.microsoft.com/office/drawing/2014/main" id="{CFEDE2E8-A5A9-3886-B1EC-2A67CD3503F1}"/>
+                <a16:creationId xmlns:a16="http://schemas.microsoft.com/office/drawing/2014/main" id="{AB80496A-9C6B-A4DA-57E9-4CBFC8ED30AC}"/>
               </a:ext>
             </a:extLst>
           </p:cNvPr>
@@ -856,7 +856,7 @@
           <a:bodyPr/>
           <a:lstStyle/>
           <a:p>
-            <a:fld id="{49DA896C-40AA-45B6-BFEA-023EF828AC23}" type="datetimeFigureOut">
+            <a:fld id="{7B01B4F0-3EE9-48B4-9AC7-1D3A1A62C570}" type="datetimeFigureOut">
               <a:rPr lang="zh-CN" altLang="en-US" smtClean="0"/>
               <a:t>2024/3/10</a:t>
             </a:fld>
@@ -869,7 +869,7 @@
           <p:cNvPr id="5" name="页脚占位符 4">
             <a:extLst>
               <a:ext uri="{FF2B5EF4-FFF2-40B4-BE49-F238E27FC236}">
-                <a16:creationId xmlns:a16="http://schemas.microsoft.com/office/drawing/2014/main" id="{206F45C2-1158-F888-5FD6-09DC8F2CFDC3}"/>
+                <a16:creationId xmlns:a16="http://schemas.microsoft.com/office/drawing/2014/main" id="{1A7BBB05-8261-E2B7-AB2C-EB561F2A4296}"/>
               </a:ext>
             </a:extLst>
           </p:cNvPr>
@@ -894,7 +894,7 @@
           <p:cNvPr id="6" name="灯片编号占位符 5">
             <a:extLst>
               <a:ext uri="{FF2B5EF4-FFF2-40B4-BE49-F238E27FC236}">
-                <a16:creationId xmlns:a16="http://schemas.microsoft.com/office/drawing/2014/main" id="{3EB9A382-A420-09B7-1E89-79ED9F03C8EE}"/>
+                <a16:creationId xmlns:a16="http://schemas.microsoft.com/office/drawing/2014/main" id="{6B7C1F52-2F33-1291-2C9B-02045A34BF58}"/>
               </a:ext>
             </a:extLst>
           </p:cNvPr>
@@ -910,7 +910,7 @@
           <a:bodyPr/>
           <a:lstStyle/>
           <a:p>
-            <a:fld id="{20CB4329-EE6A-41CF-B447-68EE5A478A2E}" type="slidenum">
+            <a:fld id="{5F21C52A-FBC4-4D7E-9EA6-D8FDA4D555B5}" type="slidenum">
               <a:rPr lang="zh-CN" altLang="en-US" smtClean="0"/>
               <a:t>‹#›</a:t>
             </a:fld>
@@ -921,7 +921,7 @@
     </p:spTree>
     <p:extLst>
       <p:ext uri="{BB962C8B-B14F-4D97-AF65-F5344CB8AC3E}">
-        <p14:creationId xmlns:p14="http://schemas.microsoft.com/office/powerpoint/2010/main" val="3095519721"/>
+        <p14:creationId xmlns:p14="http://schemas.microsoft.com/office/powerpoint/2010/main" val="2721350339"/>
       </p:ext>
     </p:extLst>
   </p:cSld>
@@ -953,7 +953,7 @@
           <p:cNvPr id="2" name="标题 1">
             <a:extLst>
               <a:ext uri="{FF2B5EF4-FFF2-40B4-BE49-F238E27FC236}">
-                <a16:creationId xmlns:a16="http://schemas.microsoft.com/office/drawing/2014/main" id="{6939356C-14E6-1528-B952-52496C5E3632}"/>
+                <a16:creationId xmlns:a16="http://schemas.microsoft.com/office/drawing/2014/main" id="{DD4A437E-9F48-FC1C-AD0E-6FD0809DBB20}"/>
               </a:ext>
             </a:extLst>
           </p:cNvPr>
@@ -990,7 +990,7 @@
           <p:cNvPr id="3" name="文本占位符 2">
             <a:extLst>
               <a:ext uri="{FF2B5EF4-FFF2-40B4-BE49-F238E27FC236}">
-                <a16:creationId xmlns:a16="http://schemas.microsoft.com/office/drawing/2014/main" id="{0CA39500-B00E-266E-931D-839133080B4E}"/>
+                <a16:creationId xmlns:a16="http://schemas.microsoft.com/office/drawing/2014/main" id="{6511F455-4EEA-A7BE-F77C-182C68483F0A}"/>
               </a:ext>
             </a:extLst>
           </p:cNvPr>
@@ -1115,7 +1115,7 @@
           <p:cNvPr id="4" name="日期占位符 3">
             <a:extLst>
               <a:ext uri="{FF2B5EF4-FFF2-40B4-BE49-F238E27FC236}">
-                <a16:creationId xmlns:a16="http://schemas.microsoft.com/office/drawing/2014/main" id="{623D3EF3-F489-9284-36CD-EC034D44808A}"/>
+                <a16:creationId xmlns:a16="http://schemas.microsoft.com/office/drawing/2014/main" id="{6D959EAC-0BD9-0E76-DDFE-818FBB899F88}"/>
               </a:ext>
             </a:extLst>
           </p:cNvPr>
@@ -1131,7 +1131,7 @@
           <a:bodyPr/>
           <a:lstStyle/>
           <a:p>
-            <a:fld id="{49DA896C-40AA-45B6-BFEA-023EF828AC23}" type="datetimeFigureOut">
+            <a:fld id="{7B01B4F0-3EE9-48B4-9AC7-1D3A1A62C570}" type="datetimeFigureOut">
               <a:rPr lang="zh-CN" altLang="en-US" smtClean="0"/>
               <a:t>2024/3/10</a:t>
             </a:fld>
@@ -1144,7 +1144,7 @@
           <p:cNvPr id="5" name="页脚占位符 4">
             <a:extLst>
               <a:ext uri="{FF2B5EF4-FFF2-40B4-BE49-F238E27FC236}">
-                <a16:creationId xmlns:a16="http://schemas.microsoft.com/office/drawing/2014/main" id="{91096278-B5A2-86DC-CAC3-3AEB3B9882E8}"/>
+                <a16:creationId xmlns:a16="http://schemas.microsoft.com/office/drawing/2014/main" id="{EBE1D536-381C-178A-04E8-9419435DEFFE}"/>
               </a:ext>
             </a:extLst>
           </p:cNvPr>
@@ -1169,7 +1169,7 @@
           <p:cNvPr id="6" name="灯片编号占位符 5">
             <a:extLst>
               <a:ext uri="{FF2B5EF4-FFF2-40B4-BE49-F238E27FC236}">
-                <a16:creationId xmlns:a16="http://schemas.microsoft.com/office/drawing/2014/main" id="{1A35F702-814A-AB12-D8ED-0B5240948687}"/>
+                <a16:creationId xmlns:a16="http://schemas.microsoft.com/office/drawing/2014/main" id="{8C6834B6-C172-C373-82F9-50080E5279B9}"/>
               </a:ext>
             </a:extLst>
           </p:cNvPr>
@@ -1185,7 +1185,7 @@
           <a:bodyPr/>
           <a:lstStyle/>
           <a:p>
-            <a:fld id="{20CB4329-EE6A-41CF-B447-68EE5A478A2E}" type="slidenum">
+            <a:fld id="{5F21C52A-FBC4-4D7E-9EA6-D8FDA4D555B5}" type="slidenum">
               <a:rPr lang="zh-CN" altLang="en-US" smtClean="0"/>
               <a:t>‹#›</a:t>
             </a:fld>
@@ -1196,7 +1196,7 @@
     </p:spTree>
     <p:extLst>
       <p:ext uri="{BB962C8B-B14F-4D97-AF65-F5344CB8AC3E}">
-        <p14:creationId xmlns:p14="http://schemas.microsoft.com/office/powerpoint/2010/main" val="3107672016"/>
+        <p14:creationId xmlns:p14="http://schemas.microsoft.com/office/powerpoint/2010/main" val="2702953646"/>
       </p:ext>
     </p:extLst>
   </p:cSld>
@@ -1228,7 +1228,7 @@
           <p:cNvPr id="2" name="标题 1">
             <a:extLst>
               <a:ext uri="{FF2B5EF4-FFF2-40B4-BE49-F238E27FC236}">
-                <a16:creationId xmlns:a16="http://schemas.microsoft.com/office/drawing/2014/main" id="{692B55A3-8088-3308-FC04-C896C7215122}"/>
+                <a16:creationId xmlns:a16="http://schemas.microsoft.com/office/drawing/2014/main" id="{1447B11A-F61F-CEDC-BB65-F8F030BBB0CB}"/>
               </a:ext>
             </a:extLst>
           </p:cNvPr>
@@ -1256,7 +1256,7 @@
           <p:cNvPr id="3" name="内容占位符 2">
             <a:extLst>
               <a:ext uri="{FF2B5EF4-FFF2-40B4-BE49-F238E27FC236}">
-                <a16:creationId xmlns:a16="http://schemas.microsoft.com/office/drawing/2014/main" id="{6F623E57-1D29-7174-8108-A630BA20859C}"/>
+                <a16:creationId xmlns:a16="http://schemas.microsoft.com/office/drawing/2014/main" id="{CA618C1C-B355-EB59-6B6B-A35021C9A274}"/>
               </a:ext>
             </a:extLst>
           </p:cNvPr>
@@ -1318,7 +1318,7 @@
           <p:cNvPr id="4" name="内容占位符 3">
             <a:extLst>
               <a:ext uri="{FF2B5EF4-FFF2-40B4-BE49-F238E27FC236}">
-                <a16:creationId xmlns:a16="http://schemas.microsoft.com/office/drawing/2014/main" id="{EAA7646C-D93D-F5C7-046D-6B75AD4DFA9A}"/>
+                <a16:creationId xmlns:a16="http://schemas.microsoft.com/office/drawing/2014/main" id="{576094F6-EBC2-CE43-DF91-C1058602422A}"/>
               </a:ext>
             </a:extLst>
           </p:cNvPr>
@@ -1380,7 +1380,7 @@
           <p:cNvPr id="5" name="日期占位符 4">
             <a:extLst>
               <a:ext uri="{FF2B5EF4-FFF2-40B4-BE49-F238E27FC236}">
-                <a16:creationId xmlns:a16="http://schemas.microsoft.com/office/drawing/2014/main" id="{B7223E7C-E340-8AD0-93FA-DBC3E65D98E7}"/>
+                <a16:creationId xmlns:a16="http://schemas.microsoft.com/office/drawing/2014/main" id="{5F576CC0-4C47-A86A-24E3-7783F82A858D}"/>
               </a:ext>
             </a:extLst>
           </p:cNvPr>
@@ -1396,7 +1396,7 @@
           <a:bodyPr/>
           <a:lstStyle/>
           <a:p>
-            <a:fld id="{49DA896C-40AA-45B6-BFEA-023EF828AC23}" type="datetimeFigureOut">
+            <a:fld id="{7B01B4F0-3EE9-48B4-9AC7-1D3A1A62C570}" type="datetimeFigureOut">
               <a:rPr lang="zh-CN" altLang="en-US" smtClean="0"/>
               <a:t>2024/3/10</a:t>
             </a:fld>
@@ -1409,7 +1409,7 @@
           <p:cNvPr id="6" name="页脚占位符 5">
             <a:extLst>
               <a:ext uri="{FF2B5EF4-FFF2-40B4-BE49-F238E27FC236}">
-                <a16:creationId xmlns:a16="http://schemas.microsoft.com/office/drawing/2014/main" id="{6875AC1D-6BC0-5DC0-C634-9778CE60A012}"/>
+                <a16:creationId xmlns:a16="http://schemas.microsoft.com/office/drawing/2014/main" id="{DC3B5E88-ACEC-20B5-FC6D-BC9C048C2154}"/>
               </a:ext>
             </a:extLst>
           </p:cNvPr>
@@ -1434,7 +1434,7 @@
           <p:cNvPr id="7" name="灯片编号占位符 6">
             <a:extLst>
               <a:ext uri="{FF2B5EF4-FFF2-40B4-BE49-F238E27FC236}">
-                <a16:creationId xmlns:a16="http://schemas.microsoft.com/office/drawing/2014/main" id="{B7C2EFEE-8B6D-42B6-E9DA-C35D61DF9D51}"/>
+                <a16:creationId xmlns:a16="http://schemas.microsoft.com/office/drawing/2014/main" id="{096939B7-42EB-9640-BFC0-616D521FC1D9}"/>
               </a:ext>
             </a:extLst>
           </p:cNvPr>
@@ -1450,7 +1450,7 @@
           <a:bodyPr/>
           <a:lstStyle/>
           <a:p>
-            <a:fld id="{20CB4329-EE6A-41CF-B447-68EE5A478A2E}" type="slidenum">
+            <a:fld id="{5F21C52A-FBC4-4D7E-9EA6-D8FDA4D555B5}" type="slidenum">
               <a:rPr lang="zh-CN" altLang="en-US" smtClean="0"/>
               <a:t>‹#›</a:t>
             </a:fld>
@@ -1461,7 +1461,7 @@
     </p:spTree>
     <p:extLst>
       <p:ext uri="{BB962C8B-B14F-4D97-AF65-F5344CB8AC3E}">
-        <p14:creationId xmlns:p14="http://schemas.microsoft.com/office/powerpoint/2010/main" val="3945241"/>
+        <p14:creationId xmlns:p14="http://schemas.microsoft.com/office/powerpoint/2010/main" val="1435983249"/>
       </p:ext>
     </p:extLst>
   </p:cSld>
@@ -1493,7 +1493,7 @@
           <p:cNvPr id="2" name="标题 1">
             <a:extLst>
               <a:ext uri="{FF2B5EF4-FFF2-40B4-BE49-F238E27FC236}">
-                <a16:creationId xmlns:a16="http://schemas.microsoft.com/office/drawing/2014/main" id="{28E8AEF6-1D59-533D-7789-DB0A62C214B9}"/>
+                <a16:creationId xmlns:a16="http://schemas.microsoft.com/office/drawing/2014/main" id="{8D627C6A-540E-695C-7C8F-16EB86ACD9F4}"/>
               </a:ext>
             </a:extLst>
           </p:cNvPr>
@@ -1526,7 +1526,7 @@
           <p:cNvPr id="3" name="文本占位符 2">
             <a:extLst>
               <a:ext uri="{FF2B5EF4-FFF2-40B4-BE49-F238E27FC236}">
-                <a16:creationId xmlns:a16="http://schemas.microsoft.com/office/drawing/2014/main" id="{5CE00A86-AE75-7BC2-1F42-8C801335A714}"/>
+                <a16:creationId xmlns:a16="http://schemas.microsoft.com/office/drawing/2014/main" id="{278D4F4A-F522-45FC-E8C9-AAF70F871ABB}"/>
               </a:ext>
             </a:extLst>
           </p:cNvPr>
@@ -1597,7 +1597,7 @@
           <p:cNvPr id="4" name="内容占位符 3">
             <a:extLst>
               <a:ext uri="{FF2B5EF4-FFF2-40B4-BE49-F238E27FC236}">
-                <a16:creationId xmlns:a16="http://schemas.microsoft.com/office/drawing/2014/main" id="{92879FF6-465C-256F-AB5B-21D63559D447}"/>
+                <a16:creationId xmlns:a16="http://schemas.microsoft.com/office/drawing/2014/main" id="{D3E664EA-F9D2-F0BC-5551-6745D2F91BA5}"/>
               </a:ext>
             </a:extLst>
           </p:cNvPr>
@@ -1659,7 +1659,7 @@
           <p:cNvPr id="5" name="文本占位符 4">
             <a:extLst>
               <a:ext uri="{FF2B5EF4-FFF2-40B4-BE49-F238E27FC236}">
-                <a16:creationId xmlns:a16="http://schemas.microsoft.com/office/drawing/2014/main" id="{A904E713-9440-E8C0-A11E-F798D13F8216}"/>
+                <a16:creationId xmlns:a16="http://schemas.microsoft.com/office/drawing/2014/main" id="{1B475CAD-FF77-FBAB-14DA-A23AF838DC3E}"/>
               </a:ext>
             </a:extLst>
           </p:cNvPr>
@@ -1730,7 +1730,7 @@
           <p:cNvPr id="6" name="内容占位符 5">
             <a:extLst>
               <a:ext uri="{FF2B5EF4-FFF2-40B4-BE49-F238E27FC236}">
-                <a16:creationId xmlns:a16="http://schemas.microsoft.com/office/drawing/2014/main" id="{27BEBF3C-58EC-E2C4-A022-135EF2E4080C}"/>
+                <a16:creationId xmlns:a16="http://schemas.microsoft.com/office/drawing/2014/main" id="{FA5881CC-8990-2987-E940-F534D501F897}"/>
               </a:ext>
             </a:extLst>
           </p:cNvPr>
@@ -1792,7 +1792,7 @@
           <p:cNvPr id="7" name="日期占位符 6">
             <a:extLst>
               <a:ext uri="{FF2B5EF4-FFF2-40B4-BE49-F238E27FC236}">
-                <a16:creationId xmlns:a16="http://schemas.microsoft.com/office/drawing/2014/main" id="{61C081E3-1A72-B0F2-D815-FF1A539E0454}"/>
+                <a16:creationId xmlns:a16="http://schemas.microsoft.com/office/drawing/2014/main" id="{8B00919C-8546-21EC-65FB-E11F228EEF98}"/>
               </a:ext>
             </a:extLst>
           </p:cNvPr>
@@ -1808,7 +1808,7 @@
           <a:bodyPr/>
           <a:lstStyle/>
           <a:p>
-            <a:fld id="{49DA896C-40AA-45B6-BFEA-023EF828AC23}" type="datetimeFigureOut">
+            <a:fld id="{7B01B4F0-3EE9-48B4-9AC7-1D3A1A62C570}" type="datetimeFigureOut">
               <a:rPr lang="zh-CN" altLang="en-US" smtClean="0"/>
               <a:t>2024/3/10</a:t>
             </a:fld>
@@ -1821,7 +1821,7 @@
           <p:cNvPr id="8" name="页脚占位符 7">
             <a:extLst>
               <a:ext uri="{FF2B5EF4-FFF2-40B4-BE49-F238E27FC236}">
-                <a16:creationId xmlns:a16="http://schemas.microsoft.com/office/drawing/2014/main" id="{C597716E-EF45-461B-13D5-A5BD214B8378}"/>
+                <a16:creationId xmlns:a16="http://schemas.microsoft.com/office/drawing/2014/main" id="{2DDE1B60-83DD-2E85-39BC-EEB1769B06C2}"/>
               </a:ext>
             </a:extLst>
           </p:cNvPr>
@@ -1846,7 +1846,7 @@
           <p:cNvPr id="9" name="灯片编号占位符 8">
             <a:extLst>
               <a:ext uri="{FF2B5EF4-FFF2-40B4-BE49-F238E27FC236}">
-                <a16:creationId xmlns:a16="http://schemas.microsoft.com/office/drawing/2014/main" id="{7C1D474A-AA4C-E7A1-04B0-DA15A6FABD0B}"/>
+                <a16:creationId xmlns:a16="http://schemas.microsoft.com/office/drawing/2014/main" id="{280961DF-893C-5A36-FFFF-8CB9D1691860}"/>
               </a:ext>
             </a:extLst>
           </p:cNvPr>
@@ -1862,7 +1862,7 @@
           <a:bodyPr/>
           <a:lstStyle/>
           <a:p>
-            <a:fld id="{20CB4329-EE6A-41CF-B447-68EE5A478A2E}" type="slidenum">
+            <a:fld id="{5F21C52A-FBC4-4D7E-9EA6-D8FDA4D555B5}" type="slidenum">
               <a:rPr lang="zh-CN" altLang="en-US" smtClean="0"/>
               <a:t>‹#›</a:t>
             </a:fld>
@@ -1873,7 +1873,7 @@
     </p:spTree>
     <p:extLst>
       <p:ext uri="{BB962C8B-B14F-4D97-AF65-F5344CB8AC3E}">
-        <p14:creationId xmlns:p14="http://schemas.microsoft.com/office/powerpoint/2010/main" val="4062118198"/>
+        <p14:creationId xmlns:p14="http://schemas.microsoft.com/office/powerpoint/2010/main" val="2329032814"/>
       </p:ext>
     </p:extLst>
   </p:cSld>
@@ -1905,7 +1905,7 @@
           <p:cNvPr id="2" name="标题 1">
             <a:extLst>
               <a:ext uri="{FF2B5EF4-FFF2-40B4-BE49-F238E27FC236}">
-                <a16:creationId xmlns:a16="http://schemas.microsoft.com/office/drawing/2014/main" id="{6C69895A-CECA-F4EB-0061-72354832B3A4}"/>
+                <a16:creationId xmlns:a16="http://schemas.microsoft.com/office/drawing/2014/main" id="{57263EFE-D400-BF90-42EA-267602A63750}"/>
               </a:ext>
             </a:extLst>
           </p:cNvPr>
@@ -1933,7 +1933,7 @@
           <p:cNvPr id="3" name="日期占位符 2">
             <a:extLst>
               <a:ext uri="{FF2B5EF4-FFF2-40B4-BE49-F238E27FC236}">
-                <a16:creationId xmlns:a16="http://schemas.microsoft.com/office/drawing/2014/main" id="{7510837B-EBC3-7D19-F7C4-AACA247B2231}"/>
+                <a16:creationId xmlns:a16="http://schemas.microsoft.com/office/drawing/2014/main" id="{93A35C1C-AF73-C3DD-EEEC-122DE3303EBD}"/>
               </a:ext>
             </a:extLst>
           </p:cNvPr>
@@ -1949,7 +1949,7 @@
           <a:bodyPr/>
           <a:lstStyle/>
           <a:p>
-            <a:fld id="{49DA896C-40AA-45B6-BFEA-023EF828AC23}" type="datetimeFigureOut">
+            <a:fld id="{7B01B4F0-3EE9-48B4-9AC7-1D3A1A62C570}" type="datetimeFigureOut">
               <a:rPr lang="zh-CN" altLang="en-US" smtClean="0"/>
               <a:t>2024/3/10</a:t>
             </a:fld>
@@ -1962,7 +1962,7 @@
           <p:cNvPr id="4" name="页脚占位符 3">
             <a:extLst>
               <a:ext uri="{FF2B5EF4-FFF2-40B4-BE49-F238E27FC236}">
-                <a16:creationId xmlns:a16="http://schemas.microsoft.com/office/drawing/2014/main" id="{656FC0D5-0BD8-69A0-35E5-B2016E236AAA}"/>
+                <a16:creationId xmlns:a16="http://schemas.microsoft.com/office/drawing/2014/main" id="{F75338CB-6E78-796C-77FA-3254DC8312C5}"/>
               </a:ext>
             </a:extLst>
           </p:cNvPr>
@@ -1987,7 +1987,7 @@
           <p:cNvPr id="5" name="灯片编号占位符 4">
             <a:extLst>
               <a:ext uri="{FF2B5EF4-FFF2-40B4-BE49-F238E27FC236}">
-                <a16:creationId xmlns:a16="http://schemas.microsoft.com/office/drawing/2014/main" id="{2D568494-AD91-46D0-D0BB-867768F56510}"/>
+                <a16:creationId xmlns:a16="http://schemas.microsoft.com/office/drawing/2014/main" id="{E3B431DD-A722-46F8-93B0-9859A962FD80}"/>
               </a:ext>
             </a:extLst>
           </p:cNvPr>
@@ -2003,7 +2003,7 @@
           <a:bodyPr/>
           <a:lstStyle/>
           <a:p>
-            <a:fld id="{20CB4329-EE6A-41CF-B447-68EE5A478A2E}" type="slidenum">
+            <a:fld id="{5F21C52A-FBC4-4D7E-9EA6-D8FDA4D555B5}" type="slidenum">
               <a:rPr lang="zh-CN" altLang="en-US" smtClean="0"/>
               <a:t>‹#›</a:t>
             </a:fld>
@@ -2014,7 +2014,7 @@
     </p:spTree>
     <p:extLst>
       <p:ext uri="{BB962C8B-B14F-4D97-AF65-F5344CB8AC3E}">
-        <p14:creationId xmlns:p14="http://schemas.microsoft.com/office/powerpoint/2010/main" val="2310052203"/>
+        <p14:creationId xmlns:p14="http://schemas.microsoft.com/office/powerpoint/2010/main" val="3158130014"/>
       </p:ext>
     </p:extLst>
   </p:cSld>
@@ -2046,7 +2046,7 @@
           <p:cNvPr id="2" name="日期占位符 1">
             <a:extLst>
               <a:ext uri="{FF2B5EF4-FFF2-40B4-BE49-F238E27FC236}">
-                <a16:creationId xmlns:a16="http://schemas.microsoft.com/office/drawing/2014/main" id="{D9E0CE82-2406-F096-2C1D-08B3C0F8BD7A}"/>
+                <a16:creationId xmlns:a16="http://schemas.microsoft.com/office/drawing/2014/main" id="{F41628AC-CF27-CBD4-7E96-C74DC32F9FF0}"/>
               </a:ext>
             </a:extLst>
           </p:cNvPr>
@@ -2062,7 +2062,7 @@
           <a:bodyPr/>
           <a:lstStyle/>
           <a:p>
-            <a:fld id="{49DA896C-40AA-45B6-BFEA-023EF828AC23}" type="datetimeFigureOut">
+            <a:fld id="{7B01B4F0-3EE9-48B4-9AC7-1D3A1A62C570}" type="datetimeFigureOut">
               <a:rPr lang="zh-CN" altLang="en-US" smtClean="0"/>
               <a:t>2024/3/10</a:t>
             </a:fld>
@@ -2075,7 +2075,7 @@
           <p:cNvPr id="3" name="页脚占位符 2">
             <a:extLst>
               <a:ext uri="{FF2B5EF4-FFF2-40B4-BE49-F238E27FC236}">
-                <a16:creationId xmlns:a16="http://schemas.microsoft.com/office/drawing/2014/main" id="{E922D6BF-883F-249D-85BC-03A7F315F616}"/>
+                <a16:creationId xmlns:a16="http://schemas.microsoft.com/office/drawing/2014/main" id="{2A01E7CE-96A6-4EC1-2F0B-DC0686C5DAF7}"/>
               </a:ext>
             </a:extLst>
           </p:cNvPr>
@@ -2100,7 +2100,7 @@
           <p:cNvPr id="4" name="灯片编号占位符 3">
             <a:extLst>
               <a:ext uri="{FF2B5EF4-FFF2-40B4-BE49-F238E27FC236}">
-                <a16:creationId xmlns:a16="http://schemas.microsoft.com/office/drawing/2014/main" id="{6886205B-26A9-BBCB-5B29-17DCE39C28D7}"/>
+                <a16:creationId xmlns:a16="http://schemas.microsoft.com/office/drawing/2014/main" id="{C4AE43DC-EA08-FA46-7F6C-1CD2BC7081D4}"/>
               </a:ext>
             </a:extLst>
           </p:cNvPr>
@@ -2116,7 +2116,7 @@
           <a:bodyPr/>
           <a:lstStyle/>
           <a:p>
-            <a:fld id="{20CB4329-EE6A-41CF-B447-68EE5A478A2E}" type="slidenum">
+            <a:fld id="{5F21C52A-FBC4-4D7E-9EA6-D8FDA4D555B5}" type="slidenum">
               <a:rPr lang="zh-CN" altLang="en-US" smtClean="0"/>
               <a:t>‹#›</a:t>
             </a:fld>
@@ -2127,7 +2127,7 @@
     </p:spTree>
     <p:extLst>
       <p:ext uri="{BB962C8B-B14F-4D97-AF65-F5344CB8AC3E}">
-        <p14:creationId xmlns:p14="http://schemas.microsoft.com/office/powerpoint/2010/main" val="788804525"/>
+        <p14:creationId xmlns:p14="http://schemas.microsoft.com/office/powerpoint/2010/main" val="1314131473"/>
       </p:ext>
     </p:extLst>
   </p:cSld>
@@ -2159,7 +2159,7 @@
           <p:cNvPr id="2" name="标题 1">
             <a:extLst>
               <a:ext uri="{FF2B5EF4-FFF2-40B4-BE49-F238E27FC236}">
-                <a16:creationId xmlns:a16="http://schemas.microsoft.com/office/drawing/2014/main" id="{8AB8A5F9-EA16-2A06-8256-9704E23B5833}"/>
+                <a16:creationId xmlns:a16="http://schemas.microsoft.com/office/drawing/2014/main" id="{BD42202F-0D05-671C-438B-AE827CAF4162}"/>
               </a:ext>
             </a:extLst>
           </p:cNvPr>
@@ -2196,7 +2196,7 @@
           <p:cNvPr id="3" name="内容占位符 2">
             <a:extLst>
               <a:ext uri="{FF2B5EF4-FFF2-40B4-BE49-F238E27FC236}">
-                <a16:creationId xmlns:a16="http://schemas.microsoft.com/office/drawing/2014/main" id="{DBF96177-5F8C-0AC4-CE16-FB602FFE2AD9}"/>
+                <a16:creationId xmlns:a16="http://schemas.microsoft.com/office/drawing/2014/main" id="{87746C38-DF24-A544-5F31-8907FDCDC2AE}"/>
               </a:ext>
             </a:extLst>
           </p:cNvPr>
@@ -2286,7 +2286,7 @@
           <p:cNvPr id="4" name="文本占位符 3">
             <a:extLst>
               <a:ext uri="{FF2B5EF4-FFF2-40B4-BE49-F238E27FC236}">
-                <a16:creationId xmlns:a16="http://schemas.microsoft.com/office/drawing/2014/main" id="{7291B385-4DFB-1297-C830-FA3302641AA8}"/>
+                <a16:creationId xmlns:a16="http://schemas.microsoft.com/office/drawing/2014/main" id="{9FC27747-67BA-6FFE-557C-1566A2E443E2}"/>
               </a:ext>
             </a:extLst>
           </p:cNvPr>
@@ -2357,7 +2357,7 @@
           <p:cNvPr id="5" name="日期占位符 4">
             <a:extLst>
               <a:ext uri="{FF2B5EF4-FFF2-40B4-BE49-F238E27FC236}">
-                <a16:creationId xmlns:a16="http://schemas.microsoft.com/office/drawing/2014/main" id="{72D04F87-D4FA-C496-8EC4-DB08F06BB359}"/>
+                <a16:creationId xmlns:a16="http://schemas.microsoft.com/office/drawing/2014/main" id="{C37CC941-5EDE-660E-4CAD-4ED68B29DB6F}"/>
               </a:ext>
             </a:extLst>
           </p:cNvPr>
@@ -2373,7 +2373,7 @@
           <a:bodyPr/>
           <a:lstStyle/>
           <a:p>
-            <a:fld id="{49DA896C-40AA-45B6-BFEA-023EF828AC23}" type="datetimeFigureOut">
+            <a:fld id="{7B01B4F0-3EE9-48B4-9AC7-1D3A1A62C570}" type="datetimeFigureOut">
               <a:rPr lang="zh-CN" altLang="en-US" smtClean="0"/>
               <a:t>2024/3/10</a:t>
             </a:fld>
@@ -2386,7 +2386,7 @@
           <p:cNvPr id="6" name="页脚占位符 5">
             <a:extLst>
               <a:ext uri="{FF2B5EF4-FFF2-40B4-BE49-F238E27FC236}">
-                <a16:creationId xmlns:a16="http://schemas.microsoft.com/office/drawing/2014/main" id="{6153984C-715A-F565-E7EE-CB82041D7335}"/>
+                <a16:creationId xmlns:a16="http://schemas.microsoft.com/office/drawing/2014/main" id="{71732895-7307-83B5-8C93-F64A1F98BBA2}"/>
               </a:ext>
             </a:extLst>
           </p:cNvPr>
@@ -2411,7 +2411,7 @@
           <p:cNvPr id="7" name="灯片编号占位符 6">
             <a:extLst>
               <a:ext uri="{FF2B5EF4-FFF2-40B4-BE49-F238E27FC236}">
-                <a16:creationId xmlns:a16="http://schemas.microsoft.com/office/drawing/2014/main" id="{F444D84B-33CB-AE5E-75A3-3CA42CC3F885}"/>
+                <a16:creationId xmlns:a16="http://schemas.microsoft.com/office/drawing/2014/main" id="{CE461A83-3E46-5CC7-7BF6-9DA90FCD30CE}"/>
               </a:ext>
             </a:extLst>
           </p:cNvPr>
@@ -2427,7 +2427,7 @@
           <a:bodyPr/>
           <a:lstStyle/>
           <a:p>
-            <a:fld id="{20CB4329-EE6A-41CF-B447-68EE5A478A2E}" type="slidenum">
+            <a:fld id="{5F21C52A-FBC4-4D7E-9EA6-D8FDA4D555B5}" type="slidenum">
               <a:rPr lang="zh-CN" altLang="en-US" smtClean="0"/>
               <a:t>‹#›</a:t>
             </a:fld>
@@ -2438,7 +2438,7 @@
     </p:spTree>
     <p:extLst>
       <p:ext uri="{BB962C8B-B14F-4D97-AF65-F5344CB8AC3E}">
-        <p14:creationId xmlns:p14="http://schemas.microsoft.com/office/powerpoint/2010/main" val="2693449503"/>
+        <p14:creationId xmlns:p14="http://schemas.microsoft.com/office/powerpoint/2010/main" val="3392739498"/>
       </p:ext>
     </p:extLst>
   </p:cSld>
@@ -2470,7 +2470,7 @@
           <p:cNvPr id="2" name="标题 1">
             <a:extLst>
               <a:ext uri="{FF2B5EF4-FFF2-40B4-BE49-F238E27FC236}">
-                <a16:creationId xmlns:a16="http://schemas.microsoft.com/office/drawing/2014/main" id="{9BD2C439-6FA2-34E7-0121-72E64504E9FE}"/>
+                <a16:creationId xmlns:a16="http://schemas.microsoft.com/office/drawing/2014/main" id="{E46EE98A-6C68-FFF2-6D7F-A76DF267BB59}"/>
               </a:ext>
             </a:extLst>
           </p:cNvPr>
@@ -2507,7 +2507,7 @@
           <p:cNvPr id="3" name="图片占位符 2">
             <a:extLst>
               <a:ext uri="{FF2B5EF4-FFF2-40B4-BE49-F238E27FC236}">
-                <a16:creationId xmlns:a16="http://schemas.microsoft.com/office/drawing/2014/main" id="{64410730-7471-9815-DAF3-BE67381CA21A}"/>
+                <a16:creationId xmlns:a16="http://schemas.microsoft.com/office/drawing/2014/main" id="{420D67A2-E567-E42C-488A-1D370B9E0775}"/>
               </a:ext>
             </a:extLst>
           </p:cNvPr>
@@ -2574,7 +2574,7 @@
           <p:cNvPr id="4" name="文本占位符 3">
             <a:extLst>
               <a:ext uri="{FF2B5EF4-FFF2-40B4-BE49-F238E27FC236}">
-                <a16:creationId xmlns:a16="http://schemas.microsoft.com/office/drawing/2014/main" id="{2EA5EABF-81EC-141C-4702-FECF6DDABA49}"/>
+                <a16:creationId xmlns:a16="http://schemas.microsoft.com/office/drawing/2014/main" id="{00AE08D1-9AE8-EFC8-DD17-436E5BB6765C}"/>
               </a:ext>
             </a:extLst>
           </p:cNvPr>
@@ -2645,7 +2645,7 @@
           <p:cNvPr id="5" name="日期占位符 4">
             <a:extLst>
               <a:ext uri="{FF2B5EF4-FFF2-40B4-BE49-F238E27FC236}">
-                <a16:creationId xmlns:a16="http://schemas.microsoft.com/office/drawing/2014/main" id="{CA45B8B5-D765-1766-3B26-C8666128778C}"/>
+                <a16:creationId xmlns:a16="http://schemas.microsoft.com/office/drawing/2014/main" id="{1659AB5A-C062-A920-A458-18907585D2A4}"/>
               </a:ext>
             </a:extLst>
           </p:cNvPr>
@@ -2661,7 +2661,7 @@
           <a:bodyPr/>
           <a:lstStyle/>
           <a:p>
-            <a:fld id="{49DA896C-40AA-45B6-BFEA-023EF828AC23}" type="datetimeFigureOut">
+            <a:fld id="{7B01B4F0-3EE9-48B4-9AC7-1D3A1A62C570}" type="datetimeFigureOut">
               <a:rPr lang="zh-CN" altLang="en-US" smtClean="0"/>
               <a:t>2024/3/10</a:t>
             </a:fld>
@@ -2674,7 +2674,7 @@
           <p:cNvPr id="6" name="页脚占位符 5">
             <a:extLst>
               <a:ext uri="{FF2B5EF4-FFF2-40B4-BE49-F238E27FC236}">
-                <a16:creationId xmlns:a16="http://schemas.microsoft.com/office/drawing/2014/main" id="{E92D6C05-C29C-100D-F7CD-CFA1B3BE0728}"/>
+                <a16:creationId xmlns:a16="http://schemas.microsoft.com/office/drawing/2014/main" id="{7A3EB137-9822-3010-C99B-276F7EB17D04}"/>
               </a:ext>
             </a:extLst>
           </p:cNvPr>
@@ -2699,7 +2699,7 @@
           <p:cNvPr id="7" name="灯片编号占位符 6">
             <a:extLst>
               <a:ext uri="{FF2B5EF4-FFF2-40B4-BE49-F238E27FC236}">
-                <a16:creationId xmlns:a16="http://schemas.microsoft.com/office/drawing/2014/main" id="{54967D44-95B2-32E8-86E5-5D78D8EB92D1}"/>
+                <a16:creationId xmlns:a16="http://schemas.microsoft.com/office/drawing/2014/main" id="{C8B3CD51-E109-5E58-BBEC-0ADEB120B3AA}"/>
               </a:ext>
             </a:extLst>
           </p:cNvPr>
@@ -2715,7 +2715,7 @@
           <a:bodyPr/>
           <a:lstStyle/>
           <a:p>
-            <a:fld id="{20CB4329-EE6A-41CF-B447-68EE5A478A2E}" type="slidenum">
+            <a:fld id="{5F21C52A-FBC4-4D7E-9EA6-D8FDA4D555B5}" type="slidenum">
               <a:rPr lang="zh-CN" altLang="en-US" smtClean="0"/>
               <a:t>‹#›</a:t>
             </a:fld>
@@ -2726,7 +2726,7 @@
     </p:spTree>
     <p:extLst>
       <p:ext uri="{BB962C8B-B14F-4D97-AF65-F5344CB8AC3E}">
-        <p14:creationId xmlns:p14="http://schemas.microsoft.com/office/powerpoint/2010/main" val="2150830503"/>
+        <p14:creationId xmlns:p14="http://schemas.microsoft.com/office/powerpoint/2010/main" val="361019659"/>
       </p:ext>
     </p:extLst>
   </p:cSld>
@@ -2763,7 +2763,7 @@
           <p:cNvPr id="2" name="标题占位符 1">
             <a:extLst>
               <a:ext uri="{FF2B5EF4-FFF2-40B4-BE49-F238E27FC236}">
-                <a16:creationId xmlns:a16="http://schemas.microsoft.com/office/drawing/2014/main" id="{59D7A67D-E52A-154D-68B2-9B6A77A2AB49}"/>
+                <a16:creationId xmlns:a16="http://schemas.microsoft.com/office/drawing/2014/main" id="{B68AE5E2-801E-CA99-2754-7BC0B88FB3F3}"/>
               </a:ext>
             </a:extLst>
           </p:cNvPr>
@@ -2801,7 +2801,7 @@
           <p:cNvPr id="3" name="文本占位符 2">
             <a:extLst>
               <a:ext uri="{FF2B5EF4-FFF2-40B4-BE49-F238E27FC236}">
-                <a16:creationId xmlns:a16="http://schemas.microsoft.com/office/drawing/2014/main" id="{89014328-36CF-11AD-CE68-08DE04F64A58}"/>
+                <a16:creationId xmlns:a16="http://schemas.microsoft.com/office/drawing/2014/main" id="{E5146ED4-8388-6031-ABF7-F94120F6C699}"/>
               </a:ext>
             </a:extLst>
           </p:cNvPr>
@@ -2868,7 +2868,7 @@
           <p:cNvPr id="4" name="日期占位符 3">
             <a:extLst>
               <a:ext uri="{FF2B5EF4-FFF2-40B4-BE49-F238E27FC236}">
-                <a16:creationId xmlns:a16="http://schemas.microsoft.com/office/drawing/2014/main" id="{277821D1-EEC6-C1E3-2703-472CECCDCA20}"/>
+                <a16:creationId xmlns:a16="http://schemas.microsoft.com/office/drawing/2014/main" id="{E68E87DE-B486-7955-4D4E-816882470D06}"/>
               </a:ext>
             </a:extLst>
           </p:cNvPr>
@@ -2902,7 +2902,7 @@
             </a:lvl1pPr>
           </a:lstStyle>
           <a:p>
-            <a:fld id="{49DA896C-40AA-45B6-BFEA-023EF828AC23}" type="datetimeFigureOut">
+            <a:fld id="{7B01B4F0-3EE9-48B4-9AC7-1D3A1A62C570}" type="datetimeFigureOut">
               <a:rPr lang="zh-CN" altLang="en-US" smtClean="0"/>
               <a:t>2024/3/10</a:t>
             </a:fld>
@@ -2915,7 +2915,7 @@
           <p:cNvPr id="5" name="页脚占位符 4">
             <a:extLst>
               <a:ext uri="{FF2B5EF4-FFF2-40B4-BE49-F238E27FC236}">
-                <a16:creationId xmlns:a16="http://schemas.microsoft.com/office/drawing/2014/main" id="{48468D56-0D96-9326-8CC7-C97873721B68}"/>
+                <a16:creationId xmlns:a16="http://schemas.microsoft.com/office/drawing/2014/main" id="{939317D7-CB51-434A-B5D7-EF5371F1D517}"/>
               </a:ext>
             </a:extLst>
           </p:cNvPr>
@@ -2958,7 +2958,7 @@
           <p:cNvPr id="6" name="灯片编号占位符 5">
             <a:extLst>
               <a:ext uri="{FF2B5EF4-FFF2-40B4-BE49-F238E27FC236}">
-                <a16:creationId xmlns:a16="http://schemas.microsoft.com/office/drawing/2014/main" id="{E056F57F-8636-6F6C-8EBE-B83115404200}"/>
+                <a16:creationId xmlns:a16="http://schemas.microsoft.com/office/drawing/2014/main" id="{EA6AE53F-A97F-72EB-783D-608FAA7C64E6}"/>
               </a:ext>
             </a:extLst>
           </p:cNvPr>
@@ -2992,7 +2992,7 @@
             </a:lvl1pPr>
           </a:lstStyle>
           <a:p>
-            <a:fld id="{20CB4329-EE6A-41CF-B447-68EE5A478A2E}" type="slidenum">
+            <a:fld id="{5F21C52A-FBC4-4D7E-9EA6-D8FDA4D555B5}" type="slidenum">
               <a:rPr lang="zh-CN" altLang="en-US" smtClean="0"/>
               <a:t>‹#›</a:t>
             </a:fld>
@@ -3003,7 +3003,7 @@
     </p:spTree>
     <p:extLst>
       <p:ext uri="{BB962C8B-B14F-4D97-AF65-F5344CB8AC3E}">
-        <p14:creationId xmlns:p14="http://schemas.microsoft.com/office/powerpoint/2010/main" val="1929113128"/>
+        <p14:creationId xmlns:p14="http://schemas.microsoft.com/office/powerpoint/2010/main" val="430873971"/>
       </p:ext>
     </p:extLst>
   </p:cSld>
@@ -3323,7 +3323,7 @@
       </p:grpSpPr>
       <p:pic>
         <p:nvPicPr>
-          <p:cNvPr id="751618" name="Picture 2" descr="733"/>
+          <p:cNvPr id="752642" name="Picture 2" descr="734"/>
           <p:cNvPicPr>
             <a:picLocks noChangeAspect="1" noChangeArrowheads="1"/>
           </p:cNvPicPr>
@@ -3344,8 +3344,8 @@
         </p:blipFill>
         <p:spPr bwMode="auto">
           <a:xfrm>
-            <a:off x="1524000" y="0"/>
-            <a:ext cx="9144000" cy="6858000"/>
+            <a:off x="1524000" y="1"/>
+            <a:ext cx="9144000" cy="5229225"/>
           </a:xfrm>
           <a:prstGeom prst="rect">
             <a:avLst/>
